--- a/毕业答辩.pptx
+++ b/毕业答辩.pptx
@@ -5,10 +5,10 @@
     <p:sldMasterId id="2147483648" r:id="rId1"/>
   </p:sldMasterIdLst>
   <p:notesMasterIdLst>
-    <p:notesMasterId r:id="rId18"/>
+    <p:notesMasterId r:id="rId19"/>
   </p:notesMasterIdLst>
   <p:handoutMasterIdLst>
-    <p:handoutMasterId r:id="rId19"/>
+    <p:handoutMasterId r:id="rId20"/>
   </p:handoutMasterIdLst>
   <p:sldIdLst>
     <p:sldId id="257" r:id="rId2"/>
@@ -24,9 +24,10 @@
     <p:sldId id="270" r:id="rId12"/>
     <p:sldId id="278" r:id="rId13"/>
     <p:sldId id="283" r:id="rId14"/>
-    <p:sldId id="271" r:id="rId15"/>
-    <p:sldId id="281" r:id="rId16"/>
-    <p:sldId id="272" r:id="rId17"/>
+    <p:sldId id="284" r:id="rId15"/>
+    <p:sldId id="271" r:id="rId16"/>
+    <p:sldId id="281" r:id="rId17"/>
+    <p:sldId id="272" r:id="rId18"/>
   </p:sldIdLst>
   <p:sldSz cx="12192000" cy="6858000"/>
   <p:notesSz cx="6858000" cy="9144000"/>
@@ -241,7 +242,7 @@
           <a:p>
             <a:fld id="{BEACDCD6-C2F6-4FED-B5EB-53F6CDC3C35C}" type="datetimeFigureOut">
               <a:rPr lang="zh-CN" altLang="en-US" smtClean="0"/>
-              <a:t>2020/4/16</a:t>
+              <a:t>2020/5/6</a:t>
             </a:fld>
             <a:endParaRPr lang="zh-CN" altLang="en-US"/>
           </a:p>
@@ -418,7 +419,7 @@
           <a:p>
             <a:fld id="{641BE7BF-EAEA-48D0-BBC1-C31F12CD5D34}" type="datetimeFigureOut">
               <a:rPr lang="zh-CN" altLang="en-US" smtClean="0"/>
-              <a:t>2020/4/16</a:t>
+              <a:t>2020/5/6</a:t>
             </a:fld>
             <a:endParaRPr lang="zh-CN" altLang="en-US"/>
           </a:p>
@@ -814,7 +815,7 @@
           <a:p>
             <a:fld id="{1673E603-3B05-4E37-BCD4-5A12DA440369}" type="datetimeFigureOut">
               <a:rPr lang="zh-CN" altLang="en-US" smtClean="0"/>
-              <a:t>2020/4/16</a:t>
+              <a:t>2020/5/6</a:t>
             </a:fld>
             <a:endParaRPr lang="zh-CN" altLang="en-US"/>
           </a:p>
@@ -994,7 +995,7 @@
           <a:p>
             <a:fld id="{1673E603-3B05-4E37-BCD4-5A12DA440369}" type="datetimeFigureOut">
               <a:rPr lang="zh-CN" altLang="en-US" smtClean="0"/>
-              <a:t>2020/4/16</a:t>
+              <a:t>2020/5/6</a:t>
             </a:fld>
             <a:endParaRPr lang="zh-CN" altLang="en-US"/>
           </a:p>
@@ -1184,7 +1185,7 @@
           <a:p>
             <a:fld id="{1673E603-3B05-4E37-BCD4-5A12DA440369}" type="datetimeFigureOut">
               <a:rPr lang="zh-CN" altLang="en-US" smtClean="0"/>
-              <a:t>2020/4/16</a:t>
+              <a:t>2020/5/6</a:t>
             </a:fld>
             <a:endParaRPr lang="zh-CN" altLang="en-US"/>
           </a:p>
@@ -1364,7 +1365,7 @@
           <a:p>
             <a:fld id="{1673E603-3B05-4E37-BCD4-5A12DA440369}" type="datetimeFigureOut">
               <a:rPr lang="zh-CN" altLang="en-US" smtClean="0"/>
-              <a:t>2020/4/16</a:t>
+              <a:t>2020/5/6</a:t>
             </a:fld>
             <a:endParaRPr lang="zh-CN" altLang="en-US"/>
           </a:p>
@@ -1621,7 +1622,7 @@
           <a:p>
             <a:fld id="{1673E603-3B05-4E37-BCD4-5A12DA440369}" type="datetimeFigureOut">
               <a:rPr lang="zh-CN" altLang="en-US" smtClean="0"/>
-              <a:t>2020/4/16</a:t>
+              <a:t>2020/5/6</a:t>
             </a:fld>
             <a:endParaRPr lang="zh-CN" altLang="en-US"/>
           </a:p>
@@ -1862,7 +1863,7 @@
           <a:p>
             <a:fld id="{1673E603-3B05-4E37-BCD4-5A12DA440369}" type="datetimeFigureOut">
               <a:rPr lang="zh-CN" altLang="en-US" smtClean="0"/>
-              <a:t>2020/4/16</a:t>
+              <a:t>2020/5/6</a:t>
             </a:fld>
             <a:endParaRPr lang="zh-CN" altLang="en-US"/>
           </a:p>
@@ -2238,7 +2239,7 @@
           <a:p>
             <a:fld id="{1673E603-3B05-4E37-BCD4-5A12DA440369}" type="datetimeFigureOut">
               <a:rPr lang="zh-CN" altLang="en-US" smtClean="0"/>
-              <a:t>2020/4/16</a:t>
+              <a:t>2020/5/6</a:t>
             </a:fld>
             <a:endParaRPr lang="zh-CN" altLang="en-US"/>
           </a:p>
@@ -2367,7 +2368,7 @@
           <a:p>
             <a:fld id="{1673E603-3B05-4E37-BCD4-5A12DA440369}" type="datetimeFigureOut">
               <a:rPr lang="zh-CN" altLang="en-US" smtClean="0"/>
-              <a:t>2020/4/16</a:t>
+              <a:t>2020/5/6</a:t>
             </a:fld>
             <a:endParaRPr lang="zh-CN" altLang="en-US"/>
           </a:p>
@@ -2474,7 +2475,7 @@
           <a:p>
             <a:fld id="{1673E603-3B05-4E37-BCD4-5A12DA440369}" type="datetimeFigureOut">
               <a:rPr lang="zh-CN" altLang="en-US" smtClean="0"/>
-              <a:t>2020/4/16</a:t>
+              <a:t>2020/5/6</a:t>
             </a:fld>
             <a:endParaRPr lang="zh-CN" altLang="en-US"/>
           </a:p>
@@ -2761,7 +2762,7 @@
           <a:p>
             <a:fld id="{1673E603-3B05-4E37-BCD4-5A12DA440369}" type="datetimeFigureOut">
               <a:rPr lang="zh-CN" altLang="en-US" smtClean="0"/>
-              <a:t>2020/4/16</a:t>
+              <a:t>2020/5/6</a:t>
             </a:fld>
             <a:endParaRPr lang="zh-CN" altLang="en-US"/>
           </a:p>
@@ -3025,7 +3026,7 @@
           <a:p>
             <a:fld id="{1673E603-3B05-4E37-BCD4-5A12DA440369}" type="datetimeFigureOut">
               <a:rPr lang="zh-CN" altLang="en-US" smtClean="0"/>
-              <a:t>2020/4/16</a:t>
+              <a:t>2020/5/6</a:t>
             </a:fld>
             <a:endParaRPr lang="zh-CN" altLang="en-US"/>
           </a:p>
@@ -3248,7 +3249,7 @@
           <a:p>
             <a:fld id="{1673E603-3B05-4E37-BCD4-5A12DA440369}" type="datetimeFigureOut">
               <a:rPr lang="zh-CN" altLang="en-US" smtClean="0"/>
-              <a:t>2020/4/16</a:t>
+              <a:t>2020/5/6</a:t>
             </a:fld>
             <a:endParaRPr lang="zh-CN" altLang="en-US"/>
           </a:p>
@@ -7391,6 +7392,53 @@
           </a:prstGeom>
         </p:spPr>
       </p:pic>
+      <p:pic>
+        <p:nvPicPr>
+          <p:cNvPr id="1026" name="Picture 2">
+            <a:extLst>
+              <a:ext uri="{FF2B5EF4-FFF2-40B4-BE49-F238E27FC236}">
+                <a16:creationId xmlns:a16="http://schemas.microsoft.com/office/drawing/2014/main" id="{8E1039ED-19FE-4CAD-98B4-42B1C34A78A0}"/>
+              </a:ext>
+            </a:extLst>
+          </p:cNvPr>
+          <p:cNvPicPr>
+            <a:picLocks noChangeAspect="1" noChangeArrowheads="1"/>
+          </p:cNvPicPr>
+          <p:nvPr/>
+        </p:nvPicPr>
+        <p:blipFill>
+          <a:blip r:embed="rId6">
+            <a:extLst>
+              <a:ext uri="{28A0092B-C50C-407E-A947-70E740481C1C}">
+                <a14:useLocalDpi xmlns:a14="http://schemas.microsoft.com/office/drawing/2010/main" val="0"/>
+              </a:ext>
+            </a:extLst>
+          </a:blip>
+          <a:srcRect/>
+          <a:stretch>
+            <a:fillRect/>
+          </a:stretch>
+        </p:blipFill>
+        <p:spPr bwMode="auto">
+          <a:xfrm>
+            <a:off x="10763577" y="5431101"/>
+            <a:ext cx="1426899" cy="1426899"/>
+          </a:xfrm>
+          <a:prstGeom prst="rect">
+            <a:avLst/>
+          </a:prstGeom>
+          <a:noFill/>
+          <a:extLst>
+            <a:ext uri="{909E8E84-426E-40DD-AFC4-6F175D3DCCD1}">
+              <a14:hiddenFill xmlns:a14="http://schemas.microsoft.com/office/drawing/2010/main">
+                <a:solidFill>
+                  <a:srgbClr val="FFFFFF"/>
+                </a:solidFill>
+              </a14:hiddenFill>
+            </a:ext>
+          </a:extLst>
+        </p:spPr>
+      </p:pic>
     </p:spTree>
     <p:extLst>
       <p:ext uri="{BB962C8B-B14F-4D97-AF65-F5344CB8AC3E}">
@@ -7564,21 +7612,30 @@
                             </p:childTnLst>
                           </p:cTn>
                         </p:par>
+                      </p:childTnLst>
+                    </p:cTn>
+                  </p:par>
+                  <p:par>
+                    <p:cTn id="14" fill="hold">
+                      <p:stCondLst>
+                        <p:cond delay="indefinite"/>
+                      </p:stCondLst>
+                      <p:childTnLst>
                         <p:par>
-                          <p:cTn id="14" fill="hold">
+                          <p:cTn id="15" fill="hold">
                             <p:stCondLst>
-                              <p:cond delay="1500"/>
+                              <p:cond delay="0"/>
                             </p:stCondLst>
                             <p:childTnLst>
                               <p:par>
-                                <p:cTn id="15" presetID="10" presetClass="entr" presetSubtype="0" fill="hold" nodeType="afterEffect">
+                                <p:cTn id="16" presetID="10" presetClass="entr" presetSubtype="0" fill="hold" nodeType="clickEffect">
                                   <p:stCondLst>
                                     <p:cond delay="0"/>
                                   </p:stCondLst>
                                   <p:childTnLst>
                                     <p:set>
                                       <p:cBhvr>
-                                        <p:cTn id="16" dur="1" fill="hold">
+                                        <p:cTn id="17" dur="1" fill="hold">
                                           <p:stCondLst>
                                             <p:cond delay="0"/>
                                           </p:stCondLst>
@@ -7596,7 +7653,7 @@
                                     </p:set>
                                     <p:animEffect transition="in" filter="fade">
                                       <p:cBhvr>
-                                        <p:cTn id="17" dur="500"/>
+                                        <p:cTn id="18" dur="500"/>
                                         <p:tgtEl>
                                           <p:spTgt spid="62"/>
                                         </p:tgtEl>
@@ -7612,26 +7669,26 @@
                     </p:cTn>
                   </p:par>
                   <p:par>
-                    <p:cTn id="18" fill="hold">
+                    <p:cTn id="19" fill="hold">
                       <p:stCondLst>
                         <p:cond delay="indefinite"/>
                       </p:stCondLst>
                       <p:childTnLst>
                         <p:par>
-                          <p:cTn id="19" fill="hold">
+                          <p:cTn id="20" fill="hold">
                             <p:stCondLst>
                               <p:cond delay="0"/>
                             </p:stCondLst>
                             <p:childTnLst>
                               <p:par>
-                                <p:cTn id="20" presetID="10" presetClass="entr" presetSubtype="0" fill="hold" nodeType="clickEffect">
+                                <p:cTn id="21" presetID="10" presetClass="entr" presetSubtype="0" fill="hold" nodeType="clickEffect">
                                   <p:stCondLst>
                                     <p:cond delay="0"/>
                                   </p:stCondLst>
                                   <p:childTnLst>
                                     <p:set>
                                       <p:cBhvr>
-                                        <p:cTn id="21" dur="1" fill="hold">
+                                        <p:cTn id="22" dur="1" fill="hold">
                                           <p:stCondLst>
                                             <p:cond delay="0"/>
                                           </p:stCondLst>
@@ -7649,7 +7706,7 @@
                                     </p:set>
                                     <p:animEffect transition="in" filter="fade">
                                       <p:cBhvr>
-                                        <p:cTn id="22" dur="500"/>
+                                        <p:cTn id="23" dur="500"/>
                                         <p:tgtEl>
                                           <p:spTgt spid="63"/>
                                         </p:tgtEl>
@@ -8484,6 +8541,53 @@
           </a:prstGeom>
         </p:spPr>
       </p:pic>
+      <p:pic>
+        <p:nvPicPr>
+          <p:cNvPr id="23" name="Picture 2">
+            <a:extLst>
+              <a:ext uri="{FF2B5EF4-FFF2-40B4-BE49-F238E27FC236}">
+                <a16:creationId xmlns:a16="http://schemas.microsoft.com/office/drawing/2014/main" id="{66566EF3-F320-4582-85F4-BC4628E430D5}"/>
+              </a:ext>
+            </a:extLst>
+          </p:cNvPr>
+          <p:cNvPicPr>
+            <a:picLocks noChangeAspect="1" noChangeArrowheads="1"/>
+          </p:cNvPicPr>
+          <p:nvPr/>
+        </p:nvPicPr>
+        <p:blipFill>
+          <a:blip r:embed="rId6">
+            <a:extLst>
+              <a:ext uri="{28A0092B-C50C-407E-A947-70E740481C1C}">
+                <a14:useLocalDpi xmlns:a14="http://schemas.microsoft.com/office/drawing/2010/main" val="0"/>
+              </a:ext>
+            </a:extLst>
+          </a:blip>
+          <a:srcRect/>
+          <a:stretch>
+            <a:fillRect/>
+          </a:stretch>
+        </p:blipFill>
+        <p:spPr bwMode="auto">
+          <a:xfrm>
+            <a:off x="10763577" y="5431101"/>
+            <a:ext cx="1426899" cy="1426899"/>
+          </a:xfrm>
+          <a:prstGeom prst="rect">
+            <a:avLst/>
+          </a:prstGeom>
+          <a:noFill/>
+          <a:extLst>
+            <a:ext uri="{909E8E84-426E-40DD-AFC4-6F175D3DCCD1}">
+              <a14:hiddenFill xmlns:a14="http://schemas.microsoft.com/office/drawing/2010/main">
+                <a:solidFill>
+                  <a:srgbClr val="FFFFFF"/>
+                </a:solidFill>
+              </a14:hiddenFill>
+            </a:ext>
+          </a:extLst>
+        </p:spPr>
+      </p:pic>
     </p:spTree>
     <p:extLst>
       <p:ext uri="{BB962C8B-B14F-4D97-AF65-F5344CB8AC3E}">
@@ -8807,6 +8911,995 @@
 </file>
 
 <file path=ppt/slides/slide14.xml><?xml version="1.0" encoding="utf-8"?>
+<p:sld xmlns:a="http://schemas.openxmlformats.org/drawingml/2006/main" xmlns:r="http://schemas.openxmlformats.org/officeDocument/2006/relationships" xmlns:p="http://schemas.openxmlformats.org/presentationml/2006/main">
+  <p:cSld>
+    <p:spTree>
+      <p:nvGrpSpPr>
+        <p:cNvPr id="1" name=""/>
+        <p:cNvGrpSpPr/>
+        <p:nvPr/>
+      </p:nvGrpSpPr>
+      <p:grpSpPr>
+        <a:xfrm>
+          <a:off x="0" y="0"/>
+          <a:ext cx="0" cy="0"/>
+          <a:chOff x="0" y="0"/>
+          <a:chExt cx="0" cy="0"/>
+        </a:xfrm>
+      </p:grpSpPr>
+      <p:pic>
+        <p:nvPicPr>
+          <p:cNvPr id="4" name="图片 3"/>
+          <p:cNvPicPr>
+            <a:picLocks noChangeAspect="1"/>
+          </p:cNvPicPr>
+          <p:nvPr/>
+        </p:nvPicPr>
+        <p:blipFill>
+          <a:blip r:embed="rId2" cstate="email">
+            <a:extLst>
+              <a:ext uri="{28A0092B-C50C-407E-A947-70E740481C1C}">
+                <a14:useLocalDpi xmlns:a14="http://schemas.microsoft.com/office/drawing/2010/main"/>
+              </a:ext>
+            </a:extLst>
+          </a:blip>
+          <a:stretch>
+            <a:fillRect/>
+          </a:stretch>
+        </p:blipFill>
+        <p:spPr>
+          <a:xfrm>
+            <a:off x="1524" y="0"/>
+            <a:ext cx="12190476" cy="6858858"/>
+          </a:xfrm>
+          <a:prstGeom prst="rect">
+            <a:avLst/>
+          </a:prstGeom>
+        </p:spPr>
+      </p:pic>
+      <p:sp>
+        <p:nvSpPr>
+          <p:cNvPr id="5" name="矩形 4"/>
+          <p:cNvSpPr/>
+          <p:nvPr/>
+        </p:nvSpPr>
+        <p:spPr>
+          <a:xfrm>
+            <a:off x="0" y="0"/>
+            <a:ext cx="3396343" cy="6858858"/>
+          </a:xfrm>
+          <a:prstGeom prst="rect">
+            <a:avLst/>
+          </a:prstGeom>
+          <a:solidFill>
+            <a:srgbClr val="0071C1"/>
+          </a:solidFill>
+          <a:ln>
+            <a:noFill/>
+          </a:ln>
+        </p:spPr>
+        <p:style>
+          <a:lnRef idx="2">
+            <a:schemeClr val="accent1">
+              <a:shade val="50000"/>
+            </a:schemeClr>
+          </a:lnRef>
+          <a:fillRef idx="1">
+            <a:schemeClr val="accent1"/>
+          </a:fillRef>
+          <a:effectRef idx="0">
+            <a:schemeClr val="accent1"/>
+          </a:effectRef>
+          <a:fontRef idx="minor">
+            <a:schemeClr val="lt1"/>
+          </a:fontRef>
+        </p:style>
+        <p:txBody>
+          <a:bodyPr rtlCol="0" anchor="ctr"/>
+          <a:lstStyle/>
+          <a:p>
+            <a:pPr algn="ctr"/>
+            <a:endParaRPr lang="zh-CN" altLang="en-US"/>
+          </a:p>
+        </p:txBody>
+      </p:sp>
+      <p:grpSp>
+        <p:nvGrpSpPr>
+          <p:cNvPr id="10" name="组合 9"/>
+          <p:cNvGrpSpPr/>
+          <p:nvPr/>
+        </p:nvGrpSpPr>
+        <p:grpSpPr>
+          <a:xfrm>
+            <a:off x="442560" y="278293"/>
+            <a:ext cx="2511219" cy="1258018"/>
+            <a:chOff x="0" y="112403"/>
+            <a:chExt cx="2511219" cy="1258018"/>
+          </a:xfrm>
+        </p:grpSpPr>
+        <p:sp>
+          <p:nvSpPr>
+            <p:cNvPr id="7" name="文本框 6"/>
+            <p:cNvSpPr txBox="1"/>
+            <p:nvPr/>
+          </p:nvSpPr>
+          <p:spPr>
+            <a:xfrm>
+              <a:off x="0" y="112403"/>
+              <a:ext cx="1857828" cy="830997"/>
+            </a:xfrm>
+            <a:prstGeom prst="rect">
+              <a:avLst/>
+            </a:prstGeom>
+            <a:noFill/>
+          </p:spPr>
+          <p:txBody>
+            <a:bodyPr wrap="square" rtlCol="0">
+              <a:spAutoFit/>
+            </a:bodyPr>
+            <a:lstStyle/>
+            <a:p>
+              <a:pPr algn="ctr"/>
+              <a:r>
+                <a:rPr lang="zh-CN" altLang="en-US" sz="4800" b="1" dirty="0">
+                  <a:solidFill>
+                    <a:schemeClr val="bg1"/>
+                  </a:solidFill>
+                  <a:latin typeface="微软雅黑" panose="020B0503020204020204" pitchFamily="34" charset="-122"/>
+                  <a:ea typeface="微软雅黑" panose="020B0503020204020204" pitchFamily="34" charset="-122"/>
+                </a:rPr>
+                <a:t>目录</a:t>
+              </a:r>
+            </a:p>
+          </p:txBody>
+        </p:sp>
+        <p:sp>
+          <p:nvSpPr>
+            <p:cNvPr id="8" name="文本框 7"/>
+            <p:cNvSpPr txBox="1"/>
+            <p:nvPr/>
+          </p:nvSpPr>
+          <p:spPr>
+            <a:xfrm>
+              <a:off x="188686" y="847201"/>
+              <a:ext cx="2322533" cy="523220"/>
+            </a:xfrm>
+            <a:prstGeom prst="rect">
+              <a:avLst/>
+            </a:prstGeom>
+            <a:noFill/>
+          </p:spPr>
+          <p:txBody>
+            <a:bodyPr wrap="square" rtlCol="0">
+              <a:spAutoFit/>
+            </a:bodyPr>
+            <a:lstStyle/>
+            <a:p>
+              <a:pPr algn="ctr"/>
+              <a:r>
+                <a:rPr lang="en-US" altLang="zh-CN" sz="2800" b="1" dirty="0">
+                  <a:solidFill>
+                    <a:schemeClr val="bg1"/>
+                  </a:solidFill>
+                  <a:latin typeface="微软雅黑" panose="020B0503020204020204" pitchFamily="34" charset="-122"/>
+                  <a:ea typeface="微软雅黑" panose="020B0503020204020204" pitchFamily="34" charset="-122"/>
+                </a:rPr>
+                <a:t>CONTENTS</a:t>
+              </a:r>
+              <a:endParaRPr lang="zh-CN" altLang="en-US" sz="2800" b="1" dirty="0">
+                <a:solidFill>
+                  <a:schemeClr val="bg1"/>
+                </a:solidFill>
+                <a:latin typeface="微软雅黑" panose="020B0503020204020204" pitchFamily="34" charset="-122"/>
+                <a:ea typeface="微软雅黑" panose="020B0503020204020204" pitchFamily="34" charset="-122"/>
+              </a:endParaRPr>
+            </a:p>
+          </p:txBody>
+        </p:sp>
+      </p:grpSp>
+      <p:sp>
+        <p:nvSpPr>
+          <p:cNvPr id="9" name="文本框 8"/>
+          <p:cNvSpPr txBox="1"/>
+          <p:nvPr/>
+        </p:nvSpPr>
+        <p:spPr>
+          <a:xfrm>
+            <a:off x="886631" y="1992816"/>
+            <a:ext cx="1811761" cy="523220"/>
+          </a:xfrm>
+          <a:prstGeom prst="rect">
+            <a:avLst/>
+          </a:prstGeom>
+          <a:noFill/>
+        </p:spPr>
+        <p:txBody>
+          <a:bodyPr wrap="square" rtlCol="0">
+            <a:spAutoFit/>
+          </a:bodyPr>
+          <a:lstStyle/>
+          <a:p>
+            <a:pPr algn="ctr"/>
+            <a:r>
+              <a:rPr lang="zh-CN" altLang="en-US" sz="2800" b="1" spc="300" dirty="0">
+                <a:solidFill>
+                  <a:schemeClr val="bg1"/>
+                </a:solidFill>
+                <a:latin typeface="微软雅黑" panose="020B0503020204020204" pitchFamily="34" charset="-122"/>
+                <a:ea typeface="微软雅黑" panose="020B0503020204020204" pitchFamily="34" charset="-122"/>
+              </a:rPr>
+              <a:t>选题意义</a:t>
+            </a:r>
+          </a:p>
+        </p:txBody>
+      </p:sp>
+      <p:sp>
+        <p:nvSpPr>
+          <p:cNvPr id="11" name="文本框 10"/>
+          <p:cNvSpPr txBox="1"/>
+          <p:nvPr/>
+        </p:nvSpPr>
+        <p:spPr>
+          <a:xfrm>
+            <a:off x="886630" y="2702877"/>
+            <a:ext cx="1811761" cy="523220"/>
+          </a:xfrm>
+          <a:prstGeom prst="rect">
+            <a:avLst/>
+          </a:prstGeom>
+          <a:noFill/>
+        </p:spPr>
+        <p:txBody>
+          <a:bodyPr wrap="square" rtlCol="0">
+            <a:spAutoFit/>
+          </a:bodyPr>
+          <a:lstStyle/>
+          <a:p>
+            <a:pPr algn="ctr"/>
+            <a:r>
+              <a:rPr lang="zh-CN" altLang="en-US" sz="2800" b="1" spc="300" dirty="0">
+                <a:solidFill>
+                  <a:schemeClr val="bg1"/>
+                </a:solidFill>
+                <a:latin typeface="微软雅黑" panose="020B0503020204020204" pitchFamily="34" charset="-122"/>
+                <a:ea typeface="微软雅黑" panose="020B0503020204020204" pitchFamily="34" charset="-122"/>
+              </a:rPr>
+              <a:t>平台技术</a:t>
+            </a:r>
+          </a:p>
+        </p:txBody>
+      </p:sp>
+      <p:sp>
+        <p:nvSpPr>
+          <p:cNvPr id="12" name="文本框 11"/>
+          <p:cNvSpPr txBox="1"/>
+          <p:nvPr/>
+        </p:nvSpPr>
+        <p:spPr>
+          <a:xfrm>
+            <a:off x="886630" y="3412938"/>
+            <a:ext cx="1811761" cy="523220"/>
+          </a:xfrm>
+          <a:prstGeom prst="rect">
+            <a:avLst/>
+          </a:prstGeom>
+          <a:noFill/>
+        </p:spPr>
+        <p:txBody>
+          <a:bodyPr wrap="square" rtlCol="0">
+            <a:spAutoFit/>
+          </a:bodyPr>
+          <a:lstStyle/>
+          <a:p>
+            <a:pPr algn="ctr"/>
+            <a:r>
+              <a:rPr lang="zh-CN" altLang="en-US" sz="2800" b="1" spc="300" dirty="0">
+                <a:solidFill>
+                  <a:schemeClr val="bg1"/>
+                </a:solidFill>
+                <a:latin typeface="微软雅黑" panose="020B0503020204020204" pitchFamily="34" charset="-122"/>
+                <a:ea typeface="微软雅黑" panose="020B0503020204020204" pitchFamily="34" charset="-122"/>
+              </a:rPr>
+              <a:t>分析设计</a:t>
+            </a:r>
+          </a:p>
+        </p:txBody>
+      </p:sp>
+      <p:sp>
+        <p:nvSpPr>
+          <p:cNvPr id="14" name="文本框 13"/>
+          <p:cNvSpPr txBox="1"/>
+          <p:nvPr/>
+        </p:nvSpPr>
+        <p:spPr>
+          <a:xfrm>
+            <a:off x="886630" y="4833059"/>
+            <a:ext cx="1811761" cy="523220"/>
+          </a:xfrm>
+          <a:prstGeom prst="rect">
+            <a:avLst/>
+          </a:prstGeom>
+          <a:noFill/>
+        </p:spPr>
+        <p:txBody>
+          <a:bodyPr wrap="square" rtlCol="0">
+            <a:spAutoFit/>
+          </a:bodyPr>
+          <a:lstStyle/>
+          <a:p>
+            <a:pPr algn="ctr"/>
+            <a:r>
+              <a:rPr lang="zh-CN" altLang="en-US" sz="2800" b="1" spc="300" dirty="0">
+                <a:solidFill>
+                  <a:schemeClr val="bg1"/>
+                </a:solidFill>
+                <a:latin typeface="微软雅黑" panose="020B0503020204020204" pitchFamily="34" charset="-122"/>
+                <a:ea typeface="微软雅黑" panose="020B0503020204020204" pitchFamily="34" charset="-122"/>
+              </a:rPr>
+              <a:t>总　　结</a:t>
+            </a:r>
+          </a:p>
+        </p:txBody>
+      </p:sp>
+      <p:sp>
+        <p:nvSpPr>
+          <p:cNvPr id="15" name="矩形 14"/>
+          <p:cNvSpPr/>
+          <p:nvPr/>
+        </p:nvSpPr>
+        <p:spPr>
+          <a:xfrm>
+            <a:off x="631246" y="2162901"/>
+            <a:ext cx="216416" cy="216416"/>
+          </a:xfrm>
+          <a:prstGeom prst="rect">
+            <a:avLst/>
+          </a:prstGeom>
+          <a:solidFill>
+            <a:schemeClr val="bg1"/>
+          </a:solidFill>
+          <a:ln>
+            <a:noFill/>
+          </a:ln>
+        </p:spPr>
+        <p:style>
+          <a:lnRef idx="2">
+            <a:schemeClr val="accent1">
+              <a:shade val="50000"/>
+            </a:schemeClr>
+          </a:lnRef>
+          <a:fillRef idx="1">
+            <a:schemeClr val="accent1"/>
+          </a:fillRef>
+          <a:effectRef idx="0">
+            <a:schemeClr val="accent1"/>
+          </a:effectRef>
+          <a:fontRef idx="minor">
+            <a:schemeClr val="lt1"/>
+          </a:fontRef>
+        </p:style>
+        <p:txBody>
+          <a:bodyPr rtlCol="0" anchor="ctr"/>
+          <a:lstStyle/>
+          <a:p>
+            <a:pPr algn="ctr"/>
+            <a:endParaRPr lang="zh-CN" altLang="en-US"/>
+          </a:p>
+        </p:txBody>
+      </p:sp>
+      <p:sp>
+        <p:nvSpPr>
+          <p:cNvPr id="16" name="矩形 15"/>
+          <p:cNvSpPr/>
+          <p:nvPr/>
+        </p:nvSpPr>
+        <p:spPr>
+          <a:xfrm>
+            <a:off x="631246" y="2860061"/>
+            <a:ext cx="216416" cy="216416"/>
+          </a:xfrm>
+          <a:prstGeom prst="rect">
+            <a:avLst/>
+          </a:prstGeom>
+          <a:solidFill>
+            <a:schemeClr val="bg1"/>
+          </a:solidFill>
+          <a:ln>
+            <a:noFill/>
+          </a:ln>
+        </p:spPr>
+        <p:style>
+          <a:lnRef idx="2">
+            <a:schemeClr val="accent1">
+              <a:shade val="50000"/>
+            </a:schemeClr>
+          </a:lnRef>
+          <a:fillRef idx="1">
+            <a:schemeClr val="accent1"/>
+          </a:fillRef>
+          <a:effectRef idx="0">
+            <a:schemeClr val="accent1"/>
+          </a:effectRef>
+          <a:fontRef idx="minor">
+            <a:schemeClr val="lt1"/>
+          </a:fontRef>
+        </p:style>
+        <p:txBody>
+          <a:bodyPr rtlCol="0" anchor="ctr"/>
+          <a:lstStyle/>
+          <a:p>
+            <a:pPr algn="ctr"/>
+            <a:endParaRPr lang="zh-CN" altLang="en-US"/>
+          </a:p>
+        </p:txBody>
+      </p:sp>
+      <p:sp>
+        <p:nvSpPr>
+          <p:cNvPr id="17" name="矩形 16"/>
+          <p:cNvSpPr/>
+          <p:nvPr/>
+        </p:nvSpPr>
+        <p:spPr>
+          <a:xfrm>
+            <a:off x="631246" y="3566340"/>
+            <a:ext cx="216416" cy="216416"/>
+          </a:xfrm>
+          <a:prstGeom prst="rect">
+            <a:avLst/>
+          </a:prstGeom>
+          <a:solidFill>
+            <a:schemeClr val="bg1"/>
+          </a:solidFill>
+          <a:ln>
+            <a:noFill/>
+          </a:ln>
+        </p:spPr>
+        <p:style>
+          <a:lnRef idx="2">
+            <a:schemeClr val="accent1">
+              <a:shade val="50000"/>
+            </a:schemeClr>
+          </a:lnRef>
+          <a:fillRef idx="1">
+            <a:schemeClr val="accent1"/>
+          </a:fillRef>
+          <a:effectRef idx="0">
+            <a:schemeClr val="accent1"/>
+          </a:effectRef>
+          <a:fontRef idx="minor">
+            <a:schemeClr val="lt1"/>
+          </a:fontRef>
+        </p:style>
+        <p:txBody>
+          <a:bodyPr rtlCol="0" anchor="ctr"/>
+          <a:lstStyle/>
+          <a:p>
+            <a:pPr algn="ctr"/>
+            <a:endParaRPr lang="zh-CN" altLang="en-US"/>
+          </a:p>
+        </p:txBody>
+      </p:sp>
+      <p:grpSp>
+        <p:nvGrpSpPr>
+          <p:cNvPr id="2" name="组合 1"/>
+          <p:cNvGrpSpPr/>
+          <p:nvPr/>
+        </p:nvGrpSpPr>
+        <p:grpSpPr>
+          <a:xfrm>
+            <a:off x="1088446" y="4122999"/>
+            <a:ext cx="2067145" cy="523220"/>
+            <a:chOff x="631246" y="4122999"/>
+            <a:chExt cx="2067145" cy="523220"/>
+          </a:xfrm>
+        </p:grpSpPr>
+        <p:sp>
+          <p:nvSpPr>
+            <p:cNvPr id="13" name="文本框 12"/>
+            <p:cNvSpPr txBox="1"/>
+            <p:nvPr/>
+          </p:nvSpPr>
+          <p:spPr>
+            <a:xfrm>
+              <a:off x="886630" y="4122999"/>
+              <a:ext cx="1811761" cy="523220"/>
+            </a:xfrm>
+            <a:prstGeom prst="rect">
+              <a:avLst/>
+            </a:prstGeom>
+            <a:noFill/>
+          </p:spPr>
+          <p:txBody>
+            <a:bodyPr wrap="square" rtlCol="0">
+              <a:spAutoFit/>
+            </a:bodyPr>
+            <a:lstStyle/>
+            <a:p>
+              <a:pPr algn="ctr"/>
+              <a:r>
+                <a:rPr lang="zh-CN" altLang="en-US" sz="2800" b="1" spc="300" dirty="0">
+                  <a:solidFill>
+                    <a:schemeClr val="bg1"/>
+                  </a:solidFill>
+                  <a:latin typeface="微软雅黑" panose="020B0503020204020204" pitchFamily="34" charset="-122"/>
+                  <a:ea typeface="微软雅黑" panose="020B0503020204020204" pitchFamily="34" charset="-122"/>
+                </a:rPr>
+                <a:t>系统实现</a:t>
+              </a:r>
+            </a:p>
+          </p:txBody>
+        </p:sp>
+        <p:sp>
+          <p:nvSpPr>
+            <p:cNvPr id="18" name="矩形 17"/>
+            <p:cNvSpPr/>
+            <p:nvPr/>
+          </p:nvSpPr>
+          <p:spPr>
+            <a:xfrm>
+              <a:off x="631246" y="4272619"/>
+              <a:ext cx="216416" cy="216416"/>
+            </a:xfrm>
+            <a:prstGeom prst="rect">
+              <a:avLst/>
+            </a:prstGeom>
+            <a:solidFill>
+              <a:schemeClr val="bg1"/>
+            </a:solidFill>
+            <a:ln>
+              <a:noFill/>
+            </a:ln>
+          </p:spPr>
+          <p:style>
+            <a:lnRef idx="2">
+              <a:schemeClr val="accent1">
+                <a:shade val="50000"/>
+              </a:schemeClr>
+            </a:lnRef>
+            <a:fillRef idx="1">
+              <a:schemeClr val="accent1"/>
+            </a:fillRef>
+            <a:effectRef idx="0">
+              <a:schemeClr val="accent1"/>
+            </a:effectRef>
+            <a:fontRef idx="minor">
+              <a:schemeClr val="lt1"/>
+            </a:fontRef>
+          </p:style>
+          <p:txBody>
+            <a:bodyPr rtlCol="0" anchor="ctr"/>
+            <a:lstStyle/>
+            <a:p>
+              <a:pPr algn="ctr"/>
+              <a:endParaRPr lang="zh-CN" altLang="en-US"/>
+            </a:p>
+          </p:txBody>
+        </p:sp>
+      </p:grpSp>
+      <p:sp>
+        <p:nvSpPr>
+          <p:cNvPr id="19" name="矩形 18"/>
+          <p:cNvSpPr/>
+          <p:nvPr/>
+        </p:nvSpPr>
+        <p:spPr>
+          <a:xfrm>
+            <a:off x="631246" y="4986461"/>
+            <a:ext cx="216416" cy="216416"/>
+          </a:xfrm>
+          <a:prstGeom prst="rect">
+            <a:avLst/>
+          </a:prstGeom>
+          <a:solidFill>
+            <a:schemeClr val="bg1"/>
+          </a:solidFill>
+          <a:ln>
+            <a:noFill/>
+          </a:ln>
+        </p:spPr>
+        <p:style>
+          <a:lnRef idx="2">
+            <a:schemeClr val="accent1">
+              <a:shade val="50000"/>
+            </a:schemeClr>
+          </a:lnRef>
+          <a:fillRef idx="1">
+            <a:schemeClr val="accent1"/>
+          </a:fillRef>
+          <a:effectRef idx="0">
+            <a:schemeClr val="accent1"/>
+          </a:effectRef>
+          <a:fontRef idx="minor">
+            <a:schemeClr val="lt1"/>
+          </a:fontRef>
+        </p:style>
+        <p:txBody>
+          <a:bodyPr rtlCol="0" anchor="ctr"/>
+          <a:lstStyle/>
+          <a:p>
+            <a:pPr algn="ctr"/>
+            <a:endParaRPr lang="zh-CN" altLang="en-US"/>
+          </a:p>
+        </p:txBody>
+      </p:sp>
+      <p:sp>
+        <p:nvSpPr>
+          <p:cNvPr id="58" name="文本框 57">
+            <a:extLst>
+              <a:ext uri="{FF2B5EF4-FFF2-40B4-BE49-F238E27FC236}">
+                <a16:creationId xmlns:a16="http://schemas.microsoft.com/office/drawing/2014/main" id="{8E977269-D22A-40F6-B019-36F9FCE50473}"/>
+              </a:ext>
+            </a:extLst>
+          </p:cNvPr>
+          <p:cNvSpPr txBox="1"/>
+          <p:nvPr/>
+        </p:nvSpPr>
+        <p:spPr>
+          <a:xfrm>
+            <a:off x="9869467" y="170571"/>
+            <a:ext cx="2322533" cy="523220"/>
+          </a:xfrm>
+          <a:prstGeom prst="rect">
+            <a:avLst/>
+          </a:prstGeom>
+          <a:noFill/>
+        </p:spPr>
+        <p:txBody>
+          <a:bodyPr wrap="square" rtlCol="0">
+            <a:spAutoFit/>
+          </a:bodyPr>
+          <a:lstStyle/>
+          <a:p>
+            <a:pPr algn="ctr"/>
+            <a:r>
+              <a:rPr lang="en-US" altLang="zh-CN" sz="2800" b="1" dirty="0">
+                <a:solidFill>
+                  <a:srgbClr val="0071C1"/>
+                </a:solidFill>
+                <a:latin typeface="微软雅黑" panose="020B0503020204020204" pitchFamily="34" charset="-122"/>
+                <a:ea typeface="微软雅黑" panose="020B0503020204020204" pitchFamily="34" charset="-122"/>
+              </a:rPr>
+              <a:t>APRT4</a:t>
+            </a:r>
+            <a:endParaRPr lang="zh-CN" altLang="en-US" sz="2800" b="1" dirty="0">
+              <a:solidFill>
+                <a:srgbClr val="0071C1"/>
+              </a:solidFill>
+              <a:latin typeface="微软雅黑" panose="020B0503020204020204" pitchFamily="34" charset="-122"/>
+              <a:ea typeface="微软雅黑" panose="020B0503020204020204" pitchFamily="34" charset="-122"/>
+            </a:endParaRPr>
+          </a:p>
+        </p:txBody>
+      </p:sp>
+      <p:sp>
+        <p:nvSpPr>
+          <p:cNvPr id="59" name="文本框 58">
+            <a:extLst>
+              <a:ext uri="{FF2B5EF4-FFF2-40B4-BE49-F238E27FC236}">
+                <a16:creationId xmlns:a16="http://schemas.microsoft.com/office/drawing/2014/main" id="{24BD788D-24BA-46AA-8FE9-24C233C39849}"/>
+              </a:ext>
+            </a:extLst>
+          </p:cNvPr>
+          <p:cNvSpPr txBox="1"/>
+          <p:nvPr/>
+        </p:nvSpPr>
+        <p:spPr>
+          <a:xfrm>
+            <a:off x="6867221" y="293681"/>
+            <a:ext cx="1426898" cy="400110"/>
+          </a:xfrm>
+          <a:prstGeom prst="rect">
+            <a:avLst/>
+          </a:prstGeom>
+          <a:noFill/>
+        </p:spPr>
+        <p:txBody>
+          <a:bodyPr wrap="square" rtlCol="0">
+            <a:spAutoFit/>
+          </a:bodyPr>
+          <a:lstStyle/>
+          <a:p>
+            <a:r>
+              <a:rPr lang="zh-CN" altLang="en-US" sz="2000" b="1" dirty="0">
+                <a:solidFill>
+                  <a:srgbClr val="0071C1"/>
+                </a:solidFill>
+                <a:latin typeface="微软雅黑" panose="020B0503020204020204" pitchFamily="34" charset="-122"/>
+                <a:ea typeface="微软雅黑" panose="020B0503020204020204" pitchFamily="34" charset="-122"/>
+              </a:rPr>
+              <a:t>微信通知</a:t>
+            </a:r>
+          </a:p>
+        </p:txBody>
+      </p:sp>
+      <p:pic>
+        <p:nvPicPr>
+          <p:cNvPr id="23" name="图片 22">
+            <a:extLst>
+              <a:ext uri="{FF2B5EF4-FFF2-40B4-BE49-F238E27FC236}">
+                <a16:creationId xmlns:a16="http://schemas.microsoft.com/office/drawing/2014/main" id="{55D81263-EA46-48FB-B27F-89F74EFA2647}"/>
+              </a:ext>
+            </a:extLst>
+          </p:cNvPr>
+          <p:cNvPicPr>
+            <a:picLocks noChangeAspect="1"/>
+          </p:cNvPicPr>
+          <p:nvPr/>
+        </p:nvPicPr>
+        <p:blipFill>
+          <a:blip r:embed="rId3" cstate="print">
+            <a:extLst>
+              <a:ext uri="{28A0092B-C50C-407E-A947-70E740481C1C}">
+                <a14:useLocalDpi xmlns:a14="http://schemas.microsoft.com/office/drawing/2010/main" val="0"/>
+              </a:ext>
+            </a:extLst>
+          </a:blip>
+          <a:stretch>
+            <a:fillRect/>
+          </a:stretch>
+        </p:blipFill>
+        <p:spPr>
+          <a:xfrm>
+            <a:off x="6217427" y="902905"/>
+            <a:ext cx="2743693" cy="5661414"/>
+          </a:xfrm>
+          <a:prstGeom prst="rect">
+            <a:avLst/>
+          </a:prstGeom>
+        </p:spPr>
+      </p:pic>
+      <p:pic>
+        <p:nvPicPr>
+          <p:cNvPr id="24" name="Picture 2">
+            <a:extLst>
+              <a:ext uri="{FF2B5EF4-FFF2-40B4-BE49-F238E27FC236}">
+                <a16:creationId xmlns:a16="http://schemas.microsoft.com/office/drawing/2014/main" id="{CB9F08AE-6FE8-4E35-B6B7-954B85E93998}"/>
+              </a:ext>
+            </a:extLst>
+          </p:cNvPr>
+          <p:cNvPicPr>
+            <a:picLocks noChangeAspect="1" noChangeArrowheads="1"/>
+          </p:cNvPicPr>
+          <p:nvPr/>
+        </p:nvPicPr>
+        <p:blipFill>
+          <a:blip r:embed="rId4">
+            <a:extLst>
+              <a:ext uri="{28A0092B-C50C-407E-A947-70E740481C1C}">
+                <a14:useLocalDpi xmlns:a14="http://schemas.microsoft.com/office/drawing/2010/main" val="0"/>
+              </a:ext>
+            </a:extLst>
+          </a:blip>
+          <a:srcRect/>
+          <a:stretch>
+            <a:fillRect/>
+          </a:stretch>
+        </p:blipFill>
+        <p:spPr bwMode="auto">
+          <a:xfrm>
+            <a:off x="10763577" y="5431101"/>
+            <a:ext cx="1426899" cy="1426899"/>
+          </a:xfrm>
+          <a:prstGeom prst="rect">
+            <a:avLst/>
+          </a:prstGeom>
+          <a:noFill/>
+          <a:extLst>
+            <a:ext uri="{909E8E84-426E-40DD-AFC4-6F175D3DCCD1}">
+              <a14:hiddenFill xmlns:a14="http://schemas.microsoft.com/office/drawing/2010/main">
+                <a:solidFill>
+                  <a:srgbClr val="FFFFFF"/>
+                </a:solidFill>
+              </a14:hiddenFill>
+            </a:ext>
+          </a:extLst>
+        </p:spPr>
+      </p:pic>
+    </p:spTree>
+    <p:extLst>
+      <p:ext uri="{BB962C8B-B14F-4D97-AF65-F5344CB8AC3E}">
+        <p14:creationId xmlns:p14="http://schemas.microsoft.com/office/powerpoint/2010/main" val="38310657"/>
+      </p:ext>
+    </p:extLst>
+  </p:cSld>
+  <p:clrMapOvr>
+    <a:masterClrMapping/>
+  </p:clrMapOvr>
+  <mc:AlternateContent xmlns:mc="http://schemas.openxmlformats.org/markup-compatibility/2006" xmlns:p15="http://schemas.microsoft.com/office/powerpoint/2012/main">
+    <mc:Choice Requires="p15">
+      <p:transition xmlns:p14="http://schemas.microsoft.com/office/powerpoint/2010/main" spd="slow" p14:dur="1250" advTm="0">
+        <p15:prstTrans prst="peelOff"/>
+      </p:transition>
+    </mc:Choice>
+    <mc:Fallback xmlns="">
+      <p:transition spd="slow" advTm="0">
+        <p:fade/>
+      </p:transition>
+    </mc:Fallback>
+  </mc:AlternateContent>
+  <p:timing>
+    <p:tnLst>
+      <p:par>
+        <p:cTn id="1" dur="indefinite" restart="never" nodeType="tmRoot">
+          <p:childTnLst>
+            <p:seq concurrent="1" nextAc="seek">
+              <p:cTn id="2" dur="indefinite" nodeType="mainSeq">
+                <p:childTnLst>
+                  <p:par>
+                    <p:cTn id="3" fill="hold">
+                      <p:stCondLst>
+                        <p:cond delay="indefinite"/>
+                        <p:cond evt="onBegin" delay="0">
+                          <p:tn val="2"/>
+                        </p:cond>
+                      </p:stCondLst>
+                      <p:childTnLst>
+                        <p:par>
+                          <p:cTn id="4" fill="hold">
+                            <p:stCondLst>
+                              <p:cond delay="0"/>
+                            </p:stCondLst>
+                            <p:childTnLst>
+                              <p:par>
+                                <p:cTn id="5" presetID="42" presetClass="entr" presetSubtype="0" fill="hold" grpId="0" nodeType="afterEffect">
+                                  <p:stCondLst>
+                                    <p:cond delay="0"/>
+                                  </p:stCondLst>
+                                  <p:childTnLst>
+                                    <p:set>
+                                      <p:cBhvr>
+                                        <p:cTn id="6" dur="1" fill="hold">
+                                          <p:stCondLst>
+                                            <p:cond delay="0"/>
+                                          </p:stCondLst>
+                                        </p:cTn>
+                                        <p:tgtEl>
+                                          <p:spTgt spid="59"/>
+                                        </p:tgtEl>
+                                        <p:attrNameLst>
+                                          <p:attrName>style.visibility</p:attrName>
+                                        </p:attrNameLst>
+                                      </p:cBhvr>
+                                      <p:to>
+                                        <p:strVal val="visible"/>
+                                      </p:to>
+                                    </p:set>
+                                    <p:animEffect transition="in" filter="fade">
+                                      <p:cBhvr>
+                                        <p:cTn id="7" dur="1000"/>
+                                        <p:tgtEl>
+                                          <p:spTgt spid="59"/>
+                                        </p:tgtEl>
+                                      </p:cBhvr>
+                                    </p:animEffect>
+                                    <p:anim calcmode="lin" valueType="num">
+                                      <p:cBhvr>
+                                        <p:cTn id="8" dur="1000" fill="hold"/>
+                                        <p:tgtEl>
+                                          <p:spTgt spid="59"/>
+                                        </p:tgtEl>
+                                        <p:attrNameLst>
+                                          <p:attrName>ppt_x</p:attrName>
+                                        </p:attrNameLst>
+                                      </p:cBhvr>
+                                      <p:tavLst>
+                                        <p:tav tm="0">
+                                          <p:val>
+                                            <p:strVal val="#ppt_x"/>
+                                          </p:val>
+                                        </p:tav>
+                                        <p:tav tm="100000">
+                                          <p:val>
+                                            <p:strVal val="#ppt_x"/>
+                                          </p:val>
+                                        </p:tav>
+                                      </p:tavLst>
+                                    </p:anim>
+                                    <p:anim calcmode="lin" valueType="num">
+                                      <p:cBhvr>
+                                        <p:cTn id="9" dur="1000" fill="hold"/>
+                                        <p:tgtEl>
+                                          <p:spTgt spid="59"/>
+                                        </p:tgtEl>
+                                        <p:attrNameLst>
+                                          <p:attrName>ppt_y</p:attrName>
+                                        </p:attrNameLst>
+                                      </p:cBhvr>
+                                      <p:tavLst>
+                                        <p:tav tm="0">
+                                          <p:val>
+                                            <p:strVal val="#ppt_y+.1"/>
+                                          </p:val>
+                                        </p:tav>
+                                        <p:tav tm="100000">
+                                          <p:val>
+                                            <p:strVal val="#ppt_y"/>
+                                          </p:val>
+                                        </p:tav>
+                                      </p:tavLst>
+                                    </p:anim>
+                                  </p:childTnLst>
+                                </p:cTn>
+                              </p:par>
+                            </p:childTnLst>
+                          </p:cTn>
+                        </p:par>
+                        <p:par>
+                          <p:cTn id="10" fill="hold">
+                            <p:stCondLst>
+                              <p:cond delay="1000"/>
+                            </p:stCondLst>
+                            <p:childTnLst>
+                              <p:par>
+                                <p:cTn id="11" presetID="10" presetClass="entr" presetSubtype="0" fill="hold" nodeType="afterEffect">
+                                  <p:stCondLst>
+                                    <p:cond delay="0"/>
+                                  </p:stCondLst>
+                                  <p:childTnLst>
+                                    <p:set>
+                                      <p:cBhvr>
+                                        <p:cTn id="12" dur="1" fill="hold">
+                                          <p:stCondLst>
+                                            <p:cond delay="0"/>
+                                          </p:stCondLst>
+                                        </p:cTn>
+                                        <p:tgtEl>
+                                          <p:spTgt spid="23"/>
+                                        </p:tgtEl>
+                                        <p:attrNameLst>
+                                          <p:attrName>style.visibility</p:attrName>
+                                        </p:attrNameLst>
+                                      </p:cBhvr>
+                                      <p:to>
+                                        <p:strVal val="visible"/>
+                                      </p:to>
+                                    </p:set>
+                                    <p:animEffect transition="in" filter="fade">
+                                      <p:cBhvr>
+                                        <p:cTn id="13" dur="500"/>
+                                        <p:tgtEl>
+                                          <p:spTgt spid="23"/>
+                                        </p:tgtEl>
+                                      </p:cBhvr>
+                                    </p:animEffect>
+                                  </p:childTnLst>
+                                </p:cTn>
+                              </p:par>
+                            </p:childTnLst>
+                          </p:cTn>
+                        </p:par>
+                      </p:childTnLst>
+                    </p:cTn>
+                  </p:par>
+                </p:childTnLst>
+              </p:cTn>
+              <p:prevCondLst>
+                <p:cond evt="onPrev" delay="0">
+                  <p:tgtEl>
+                    <p:sldTgt/>
+                  </p:tgtEl>
+                </p:cond>
+              </p:prevCondLst>
+              <p:nextCondLst>
+                <p:cond evt="onNext" delay="0">
+                  <p:tgtEl>
+                    <p:sldTgt/>
+                  </p:tgtEl>
+                </p:cond>
+              </p:nextCondLst>
+            </p:seq>
+          </p:childTnLst>
+        </p:cTn>
+      </p:par>
+    </p:tnLst>
+    <p:bldLst>
+      <p:bldP spid="59" grpId="0"/>
+    </p:bldLst>
+  </p:timing>
+</p:sld>
+</file>
+
+<file path=ppt/slides/slide15.xml><?xml version="1.0" encoding="utf-8"?>
 <p:sld xmlns:a="http://schemas.openxmlformats.org/drawingml/2006/main" xmlns:r="http://schemas.openxmlformats.org/officeDocument/2006/relationships" xmlns:p="http://schemas.openxmlformats.org/presentationml/2006/main">
   <p:cSld>
     <p:spTree>
@@ -10239,7 +11332,7 @@
 </p:sld>
 </file>
 
-<file path=ppt/slides/slide15.xml><?xml version="1.0" encoding="utf-8"?>
+<file path=ppt/slides/slide16.xml><?xml version="1.0" encoding="utf-8"?>
 <p:sld xmlns:a="http://schemas.openxmlformats.org/drawingml/2006/main" xmlns:r="http://schemas.openxmlformats.org/officeDocument/2006/relationships" xmlns:p="http://schemas.openxmlformats.org/presentationml/2006/main">
   <p:cSld>
     <p:spTree>
@@ -10536,42 +11629,6 @@
       </p:sp>
       <p:sp>
         <p:nvSpPr>
-          <p:cNvPr id="14" name="文本框 13"/>
-          <p:cNvSpPr txBox="1"/>
-          <p:nvPr/>
-        </p:nvSpPr>
-        <p:spPr>
-          <a:xfrm>
-            <a:off x="886630" y="4833059"/>
-            <a:ext cx="1811761" cy="523220"/>
-          </a:xfrm>
-          <a:prstGeom prst="rect">
-            <a:avLst/>
-          </a:prstGeom>
-          <a:noFill/>
-        </p:spPr>
-        <p:txBody>
-          <a:bodyPr wrap="square" rtlCol="0">
-            <a:spAutoFit/>
-          </a:bodyPr>
-          <a:lstStyle/>
-          <a:p>
-            <a:pPr algn="ctr"/>
-            <a:r>
-              <a:rPr lang="zh-CN" altLang="en-US" sz="2800" b="1" spc="300" dirty="0">
-                <a:solidFill>
-                  <a:schemeClr val="bg1"/>
-                </a:solidFill>
-                <a:latin typeface="微软雅黑" panose="020B0503020204020204" pitchFamily="34" charset="-122"/>
-                <a:ea typeface="微软雅黑" panose="020B0503020204020204" pitchFamily="34" charset="-122"/>
-              </a:rPr>
-              <a:t>总　　结</a:t>
-            </a:r>
-          </a:p>
-        </p:txBody>
-      </p:sp>
-      <p:sp>
-        <p:nvSpPr>
           <p:cNvPr id="15" name="矩形 14"/>
           <p:cNvSpPr/>
           <p:nvPr/>
@@ -10716,7 +11773,7 @@
         </p:nvGrpSpPr>
         <p:grpSpPr>
           <a:xfrm>
-            <a:off x="1088446" y="4122999"/>
+            <a:off x="626326" y="4122999"/>
             <a:ext cx="2067145" cy="523220"/>
             <a:chOff x="631246" y="4122999"/>
             <a:chExt cx="2067145" cy="523220"/>
@@ -10805,52 +11862,109 @@
           </p:txBody>
         </p:sp>
       </p:grpSp>
-      <p:sp>
-        <p:nvSpPr>
-          <p:cNvPr id="19" name="矩形 18"/>
-          <p:cNvSpPr/>
+      <p:grpSp>
+        <p:nvGrpSpPr>
+          <p:cNvPr id="34" name="组合 33">
+            <a:extLst>
+              <a:ext uri="{FF2B5EF4-FFF2-40B4-BE49-F238E27FC236}">
+                <a16:creationId xmlns:a16="http://schemas.microsoft.com/office/drawing/2014/main" id="{7A5D6489-617C-4811-9E21-2E872784E9FE}"/>
+              </a:ext>
+            </a:extLst>
+          </p:cNvPr>
+          <p:cNvGrpSpPr/>
           <p:nvPr/>
-        </p:nvSpPr>
-        <p:spPr>
+        </p:nvGrpSpPr>
+        <p:grpSpPr>
           <a:xfrm>
-            <a:off x="631246" y="4986461"/>
-            <a:ext cx="216416" cy="216416"/>
+            <a:off x="1083534" y="4833059"/>
+            <a:ext cx="2067145" cy="523220"/>
+            <a:chOff x="631246" y="4833059"/>
+            <a:chExt cx="2067145" cy="523220"/>
           </a:xfrm>
-          <a:prstGeom prst="rect">
-            <a:avLst/>
-          </a:prstGeom>
-          <a:solidFill>
-            <a:schemeClr val="bg1"/>
-          </a:solidFill>
-          <a:ln>
+        </p:grpSpPr>
+        <p:sp>
+          <p:nvSpPr>
+            <p:cNvPr id="14" name="文本框 13"/>
+            <p:cNvSpPr txBox="1"/>
+            <p:nvPr/>
+          </p:nvSpPr>
+          <p:spPr>
+            <a:xfrm>
+              <a:off x="886630" y="4833059"/>
+              <a:ext cx="1811761" cy="523220"/>
+            </a:xfrm>
+            <a:prstGeom prst="rect">
+              <a:avLst/>
+            </a:prstGeom>
             <a:noFill/>
-          </a:ln>
-        </p:spPr>
-        <p:style>
-          <a:lnRef idx="2">
-            <a:schemeClr val="accent1">
-              <a:shade val="50000"/>
-            </a:schemeClr>
-          </a:lnRef>
-          <a:fillRef idx="1">
-            <a:schemeClr val="accent1"/>
-          </a:fillRef>
-          <a:effectRef idx="0">
-            <a:schemeClr val="accent1"/>
-          </a:effectRef>
-          <a:fontRef idx="minor">
-            <a:schemeClr val="lt1"/>
-          </a:fontRef>
-        </p:style>
-        <p:txBody>
-          <a:bodyPr rtlCol="0" anchor="ctr"/>
-          <a:lstStyle/>
-          <a:p>
-            <a:pPr algn="ctr"/>
-            <a:endParaRPr lang="zh-CN" altLang="en-US"/>
-          </a:p>
-        </p:txBody>
-      </p:sp>
+          </p:spPr>
+          <p:txBody>
+            <a:bodyPr wrap="square" rtlCol="0">
+              <a:spAutoFit/>
+            </a:bodyPr>
+            <a:lstStyle/>
+            <a:p>
+              <a:pPr algn="ctr"/>
+              <a:r>
+                <a:rPr lang="zh-CN" altLang="en-US" sz="2800" b="1" spc="300" dirty="0">
+                  <a:solidFill>
+                    <a:schemeClr val="bg1"/>
+                  </a:solidFill>
+                  <a:latin typeface="微软雅黑" panose="020B0503020204020204" pitchFamily="34" charset="-122"/>
+                  <a:ea typeface="微软雅黑" panose="020B0503020204020204" pitchFamily="34" charset="-122"/>
+                </a:rPr>
+                <a:t>总　　结</a:t>
+              </a:r>
+            </a:p>
+          </p:txBody>
+        </p:sp>
+        <p:sp>
+          <p:nvSpPr>
+            <p:cNvPr id="19" name="矩形 18"/>
+            <p:cNvSpPr/>
+            <p:nvPr/>
+          </p:nvSpPr>
+          <p:spPr>
+            <a:xfrm>
+              <a:off x="631246" y="4986461"/>
+              <a:ext cx="216416" cy="216416"/>
+            </a:xfrm>
+            <a:prstGeom prst="rect">
+              <a:avLst/>
+            </a:prstGeom>
+            <a:solidFill>
+              <a:schemeClr val="bg1"/>
+            </a:solidFill>
+            <a:ln>
+              <a:noFill/>
+            </a:ln>
+          </p:spPr>
+          <p:style>
+            <a:lnRef idx="2">
+              <a:schemeClr val="accent1">
+                <a:shade val="50000"/>
+              </a:schemeClr>
+            </a:lnRef>
+            <a:fillRef idx="1">
+              <a:schemeClr val="accent1"/>
+            </a:fillRef>
+            <a:effectRef idx="0">
+              <a:schemeClr val="accent1"/>
+            </a:effectRef>
+            <a:fontRef idx="minor">
+              <a:schemeClr val="lt1"/>
+            </a:fontRef>
+          </p:style>
+          <p:txBody>
+            <a:bodyPr rtlCol="0" anchor="ctr"/>
+            <a:lstStyle/>
+            <a:p>
+              <a:pPr algn="ctr"/>
+              <a:endParaRPr lang="zh-CN" altLang="en-US"/>
+            </a:p>
+          </p:txBody>
+        </p:sp>
+      </p:grpSp>
       <p:grpSp>
         <p:nvGrpSpPr>
           <p:cNvPr id="22" name="组合 21">
@@ -11909,7 +13023,7 @@
 </p:sld>
 </file>
 
-<file path=ppt/slides/slide16.xml><?xml version="1.0" encoding="utf-8"?>
+<file path=ppt/slides/slide17.xml><?xml version="1.0" encoding="utf-8"?>
 <p:sld xmlns:a="http://schemas.openxmlformats.org/drawingml/2006/main" xmlns:r="http://schemas.openxmlformats.org/officeDocument/2006/relationships" xmlns:p="http://schemas.openxmlformats.org/presentationml/2006/main">
   <p:cSld>
     <p:spTree>
@@ -19244,22 +20358,25 @@
             <a:p>
               <a:pPr algn="ctr"/>
               <a:r>
-                <a:rPr lang="zh-CN" altLang="en-US" spc="300" dirty="0">
+                <a:rPr lang="en-US" altLang="zh-CN" spc="300" dirty="0" err="1">
                   <a:solidFill>
                     <a:schemeClr val="bg1"/>
                   </a:solidFill>
                   <a:latin typeface="微软雅黑" panose="020B0503020204020204" pitchFamily="34" charset="-122"/>
                   <a:ea typeface="微软雅黑" panose="020B0503020204020204" pitchFamily="34" charset="-122"/>
                 </a:rPr>
-                <a:t>微信小程序</a:t>
+                <a:t>uni</a:t>
               </a:r>
-              <a:endParaRPr lang="en-US" altLang="zh-CN" spc="300" dirty="0">
-                <a:solidFill>
-                  <a:schemeClr val="bg1"/>
-                </a:solidFill>
-                <a:latin typeface="微软雅黑" panose="020B0503020204020204" pitchFamily="34" charset="-122"/>
-                <a:ea typeface="微软雅黑" panose="020B0503020204020204" pitchFamily="34" charset="-122"/>
-              </a:endParaRPr>
+              <a:r>
+                <a:rPr lang="en-US" altLang="zh-CN" spc="300" dirty="0">
+                  <a:solidFill>
+                    <a:schemeClr val="bg1"/>
+                  </a:solidFill>
+                  <a:latin typeface="微软雅黑" panose="020B0503020204020204" pitchFamily="34" charset="-122"/>
+                  <a:ea typeface="微软雅黑" panose="020B0503020204020204" pitchFamily="34" charset="-122"/>
+                </a:rPr>
+                <a:t>-app</a:t>
+              </a:r>
             </a:p>
             <a:p>
               <a:endParaRPr lang="en-US" altLang="zh-CN" dirty="0">
@@ -19280,10 +20397,18 @@
                   <a:latin typeface="微软雅黑" panose="020B0503020204020204" pitchFamily="34" charset="-122"/>
                   <a:ea typeface="微软雅黑" panose="020B0503020204020204" pitchFamily="34" charset="-122"/>
                 </a:rPr>
-                <a:t>只要用户的手机或电脑上安装了微信，就可以使用</a:t>
+                <a:t>使用 </a:t>
               </a:r>
-            </a:p>
-            <a:p>
+              <a:r>
+                <a:rPr lang="en-US" altLang="zh-CN" dirty="0">
+                  <a:solidFill>
+                    <a:schemeClr val="bg1"/>
+                  </a:solidFill>
+                  <a:latin typeface="微软雅黑" panose="020B0503020204020204" pitchFamily="34" charset="-122"/>
+                  <a:ea typeface="微软雅黑" panose="020B0503020204020204" pitchFamily="34" charset="-122"/>
+                </a:rPr>
+                <a:t>Vue.js </a:t>
+              </a:r>
               <a:r>
                 <a:rPr lang="zh-CN" altLang="en-US" dirty="0">
                   <a:solidFill>
@@ -19292,7 +20417,27 @@
                   <a:latin typeface="微软雅黑" panose="020B0503020204020204" pitchFamily="34" charset="-122"/>
                   <a:ea typeface="微软雅黑" panose="020B0503020204020204" pitchFamily="34" charset="-122"/>
                 </a:rPr>
-                <a:t>微信小程序，而微信本身有着庞大的用户规模。</a:t>
+                <a:t>开发应用的前端框架，只需一次开发，</a:t>
+              </a:r>
+              <a:r>
+                <a:rPr lang="en-US" altLang="zh-CN" dirty="0">
+                  <a:solidFill>
+                    <a:schemeClr val="bg1"/>
+                  </a:solidFill>
+                  <a:latin typeface="微软雅黑" panose="020B0503020204020204" pitchFamily="34" charset="-122"/>
+                  <a:ea typeface="微软雅黑" panose="020B0503020204020204" pitchFamily="34" charset="-122"/>
+                </a:rPr>
+                <a:t>H5</a:t>
+              </a:r>
+              <a:r>
+                <a:rPr lang="zh-CN" altLang="en-US" dirty="0">
+                  <a:solidFill>
+                    <a:schemeClr val="bg1"/>
+                  </a:solidFill>
+                  <a:latin typeface="微软雅黑" panose="020B0503020204020204" pitchFamily="34" charset="-122"/>
+                  <a:ea typeface="微软雅黑" panose="020B0503020204020204" pitchFamily="34" charset="-122"/>
+                </a:rPr>
+                <a:t>、微信小程序等多个平台均可运行。</a:t>
               </a:r>
             </a:p>
           </p:txBody>
@@ -19606,16 +20751,6 @@
             <a:p>
               <a:pPr algn="ctr"/>
               <a:r>
-                <a:rPr lang="en-US" altLang="zh-CN" spc="300" dirty="0" err="1">
-                  <a:solidFill>
-                    <a:schemeClr val="bg1"/>
-                  </a:solidFill>
-                  <a:latin typeface="微软雅黑" panose="020B0503020204020204" pitchFamily="34" charset="-122"/>
-                  <a:ea typeface="微软雅黑" panose="020B0503020204020204" pitchFamily="34" charset="-122"/>
-                </a:rPr>
-                <a:t>uni</a:t>
-              </a:r>
-              <a:r>
                 <a:rPr lang="en-US" altLang="zh-CN" spc="300" dirty="0">
                   <a:solidFill>
                     <a:schemeClr val="bg1"/>
@@ -19623,7 +20758,7 @@
                   <a:latin typeface="微软雅黑" panose="020B0503020204020204" pitchFamily="34" charset="-122"/>
                   <a:ea typeface="微软雅黑" panose="020B0503020204020204" pitchFamily="34" charset="-122"/>
                 </a:rPr>
-                <a:t>-app</a:t>
+                <a:t>uniCloud</a:t>
               </a:r>
             </a:p>
             <a:p>
@@ -19645,7 +20780,17 @@
                   <a:latin typeface="微软雅黑" panose="020B0503020204020204" pitchFamily="34" charset="-122"/>
                   <a:ea typeface="微软雅黑" panose="020B0503020204020204" pitchFamily="34" charset="-122"/>
                 </a:rPr>
-                <a:t>使用 </a:t>
+                <a:t>为使用 </a:t>
+              </a:r>
+              <a:r>
+                <a:rPr lang="en-US" altLang="zh-CN" dirty="0" err="1">
+                  <a:solidFill>
+                    <a:schemeClr val="bg1"/>
+                  </a:solidFill>
+                  <a:latin typeface="微软雅黑" panose="020B0503020204020204" pitchFamily="34" charset="-122"/>
+                  <a:ea typeface="微软雅黑" panose="020B0503020204020204" pitchFamily="34" charset="-122"/>
+                </a:rPr>
+                <a:t>uni</a:t>
               </a:r>
               <a:r>
                 <a:rPr lang="en-US" altLang="zh-CN" dirty="0">
@@ -19655,7 +20800,7 @@
                   <a:latin typeface="微软雅黑" panose="020B0503020204020204" pitchFamily="34" charset="-122"/>
                   <a:ea typeface="微软雅黑" panose="020B0503020204020204" pitchFamily="34" charset="-122"/>
                 </a:rPr>
-                <a:t>Vue.js </a:t>
+                <a:t>-app </a:t>
               </a:r>
               <a:r>
                 <a:rPr lang="zh-CN" altLang="en-US" dirty="0">
@@ -19665,7 +20810,7 @@
                   <a:latin typeface="微软雅黑" panose="020B0503020204020204" pitchFamily="34" charset="-122"/>
                   <a:ea typeface="微软雅黑" panose="020B0503020204020204" pitchFamily="34" charset="-122"/>
                 </a:rPr>
-                <a:t>开发应用的前端框架，只需一次开发，</a:t>
+                <a:t>的开发者提供的基于 </a:t>
               </a:r>
               <a:r>
                 <a:rPr lang="en-US" altLang="zh-CN" dirty="0">
@@ -19675,7 +20820,7 @@
                   <a:latin typeface="微软雅黑" panose="020B0503020204020204" pitchFamily="34" charset="-122"/>
                   <a:ea typeface="微软雅黑" panose="020B0503020204020204" pitchFamily="34" charset="-122"/>
                 </a:rPr>
-                <a:t>H5</a:t>
+                <a:t>serverless </a:t>
               </a:r>
               <a:r>
                 <a:rPr lang="zh-CN" altLang="en-US" dirty="0">
@@ -19685,7 +20830,27 @@
                   <a:latin typeface="微软雅黑" panose="020B0503020204020204" pitchFamily="34" charset="-122"/>
                   <a:ea typeface="微软雅黑" panose="020B0503020204020204" pitchFamily="34" charset="-122"/>
                 </a:rPr>
-                <a:t>、微信小程序等多个平台均可运行。</a:t>
+                <a:t>模式和 </a:t>
+              </a:r>
+              <a:r>
+                <a:rPr lang="en-US" altLang="zh-CN" dirty="0">
+                  <a:solidFill>
+                    <a:schemeClr val="bg1"/>
+                  </a:solidFill>
+                  <a:latin typeface="微软雅黑" panose="020B0503020204020204" pitchFamily="34" charset="-122"/>
+                  <a:ea typeface="微软雅黑" panose="020B0503020204020204" pitchFamily="34" charset="-122"/>
+                </a:rPr>
+                <a:t>JS </a:t>
+              </a:r>
+              <a:r>
+                <a:rPr lang="zh-CN" altLang="en-US" dirty="0">
+                  <a:solidFill>
+                    <a:schemeClr val="bg1"/>
+                  </a:solidFill>
+                  <a:latin typeface="微软雅黑" panose="020B0503020204020204" pitchFamily="34" charset="-122"/>
+                  <a:ea typeface="微软雅黑" panose="020B0503020204020204" pitchFamily="34" charset="-122"/>
+                </a:rPr>
+                <a:t>编程技术的云开发平台。</a:t>
               </a:r>
             </a:p>
           </p:txBody>
@@ -19827,15 +20992,22 @@
             <a:p>
               <a:pPr algn="ctr"/>
               <a:r>
-                <a:rPr lang="en-US" altLang="zh-CN" spc="300" dirty="0">
+                <a:rPr lang="zh-CN" altLang="en-US" spc="300" dirty="0">
                   <a:solidFill>
                     <a:schemeClr val="bg1"/>
                   </a:solidFill>
                   <a:latin typeface="微软雅黑" panose="020B0503020204020204" pitchFamily="34" charset="-122"/>
                   <a:ea typeface="微软雅黑" panose="020B0503020204020204" pitchFamily="34" charset="-122"/>
                 </a:rPr>
-                <a:t>uniCloud</a:t>
+                <a:t>微信小程序</a:t>
               </a:r>
+              <a:endParaRPr lang="en-US" altLang="zh-CN" spc="300" dirty="0">
+                <a:solidFill>
+                  <a:schemeClr val="bg1"/>
+                </a:solidFill>
+                <a:latin typeface="微软雅黑" panose="020B0503020204020204" pitchFamily="34" charset="-122"/>
+                <a:ea typeface="微软雅黑" panose="020B0503020204020204" pitchFamily="34" charset="-122"/>
+              </a:endParaRPr>
             </a:p>
             <a:p>
               <a:endParaRPr lang="en-US" altLang="zh-CN" dirty="0">
@@ -19856,77 +21028,7 @@
                   <a:latin typeface="微软雅黑" panose="020B0503020204020204" pitchFamily="34" charset="-122"/>
                   <a:ea typeface="微软雅黑" panose="020B0503020204020204" pitchFamily="34" charset="-122"/>
                 </a:rPr>
-                <a:t>为使用 </a:t>
-              </a:r>
-              <a:r>
-                <a:rPr lang="en-US" altLang="zh-CN" dirty="0" err="1">
-                  <a:solidFill>
-                    <a:schemeClr val="bg1"/>
-                  </a:solidFill>
-                  <a:latin typeface="微软雅黑" panose="020B0503020204020204" pitchFamily="34" charset="-122"/>
-                  <a:ea typeface="微软雅黑" panose="020B0503020204020204" pitchFamily="34" charset="-122"/>
-                </a:rPr>
-                <a:t>uni</a:t>
-              </a:r>
-              <a:r>
-                <a:rPr lang="en-US" altLang="zh-CN" dirty="0">
-                  <a:solidFill>
-                    <a:schemeClr val="bg1"/>
-                  </a:solidFill>
-                  <a:latin typeface="微软雅黑" panose="020B0503020204020204" pitchFamily="34" charset="-122"/>
-                  <a:ea typeface="微软雅黑" panose="020B0503020204020204" pitchFamily="34" charset="-122"/>
-                </a:rPr>
-                <a:t>-app </a:t>
-              </a:r>
-              <a:r>
-                <a:rPr lang="zh-CN" altLang="en-US" dirty="0">
-                  <a:solidFill>
-                    <a:schemeClr val="bg1"/>
-                  </a:solidFill>
-                  <a:latin typeface="微软雅黑" panose="020B0503020204020204" pitchFamily="34" charset="-122"/>
-                  <a:ea typeface="微软雅黑" panose="020B0503020204020204" pitchFamily="34" charset="-122"/>
-                </a:rPr>
-                <a:t>的开发者提供的基于 </a:t>
-              </a:r>
-              <a:r>
-                <a:rPr lang="en-US" altLang="zh-CN" dirty="0">
-                  <a:solidFill>
-                    <a:schemeClr val="bg1"/>
-                  </a:solidFill>
-                  <a:latin typeface="微软雅黑" panose="020B0503020204020204" pitchFamily="34" charset="-122"/>
-                  <a:ea typeface="微软雅黑" panose="020B0503020204020204" pitchFamily="34" charset="-122"/>
-                </a:rPr>
-                <a:t>serverless </a:t>
-              </a:r>
-              <a:r>
-                <a:rPr lang="zh-CN" altLang="en-US" dirty="0">
-                  <a:solidFill>
-                    <a:schemeClr val="bg1"/>
-                  </a:solidFill>
-                  <a:latin typeface="微软雅黑" panose="020B0503020204020204" pitchFamily="34" charset="-122"/>
-                  <a:ea typeface="微软雅黑" panose="020B0503020204020204" pitchFamily="34" charset="-122"/>
-                </a:rPr>
-                <a:t>模式和 </a:t>
-              </a:r>
-              <a:r>
-                <a:rPr lang="en-US" altLang="zh-CN" dirty="0">
-                  <a:solidFill>
-                    <a:schemeClr val="bg1"/>
-                  </a:solidFill>
-                  <a:latin typeface="微软雅黑" panose="020B0503020204020204" pitchFamily="34" charset="-122"/>
-                  <a:ea typeface="微软雅黑" panose="020B0503020204020204" pitchFamily="34" charset="-122"/>
-                </a:rPr>
-                <a:t>JS </a:t>
-              </a:r>
-              <a:r>
-                <a:rPr lang="zh-CN" altLang="en-US" dirty="0">
-                  <a:solidFill>
-                    <a:schemeClr val="bg1"/>
-                  </a:solidFill>
-                  <a:latin typeface="微软雅黑" panose="020B0503020204020204" pitchFamily="34" charset="-122"/>
-                  <a:ea typeface="微软雅黑" panose="020B0503020204020204" pitchFamily="34" charset="-122"/>
-                </a:rPr>
-                <a:t>编程技术的云开发平台。</a:t>
+                <a:t>只要用户的手机或电脑上安装了微信，就可以使用微信小程序，而微信本身有着庞大的用户规模。</a:t>
               </a:r>
             </a:p>
           </p:txBody>
